--- a/Project_SkinCancer_CNN_TransferLearning_SnehalPimple copy 2.pptx
+++ b/Project_SkinCancer_CNN_TransferLearning_SnehalPimple copy 2.pptx
@@ -124,6 +124,89 @@
 </p:presentation>
 </file>
 
+<file path=ppt/revisionInfo.xml><?xml version="1.0" encoding="utf-8"?>
+<p1510:revInfo xmlns:a="http://schemas.openxmlformats.org/drawingml/2006/main" xmlns:r="http://schemas.openxmlformats.org/officeDocument/2006/relationships" xmlns:p1510="http://schemas.microsoft.com/office/powerpoint/2015/10/main">
+  <p1510:revLst>
+    <p1510:client id="{ED6C031D-A226-462D-AB96-D4EC49300AFD}" v="4" dt="2022-02-13T18:20:11.351"/>
+  </p1510:revLst>
+</p1510:revInfo>
+</file>
+
+<file path=ppt/changesInfos/changesInfo1.xml><?xml version="1.0" encoding="utf-8"?>
+<pc:chgInfo xmlns:a="http://schemas.openxmlformats.org/drawingml/2006/main" xmlns:r="http://schemas.openxmlformats.org/officeDocument/2006/relationships" xmlns:ac="http://schemas.microsoft.com/office/drawing/2013/main/command" xmlns:pc="http://schemas.microsoft.com/office/powerpoint/2013/main/command">
+  <pc:docChgLst>
+    <pc:chgData name="Kunal Sankhe" userId="888cec82-6505-456a-9502-82fc7923f80f" providerId="ADAL" clId="{ED6C031D-A226-462D-AB96-D4EC49300AFD}"/>
+    <pc:docChg chg="modSld">
+      <pc:chgData name="Kunal Sankhe" userId="888cec82-6505-456a-9502-82fc7923f80f" providerId="ADAL" clId="{ED6C031D-A226-462D-AB96-D4EC49300AFD}" dt="2022-02-13T18:18:45.546" v="5" actId="1076"/>
+      <pc:docMkLst>
+        <pc:docMk/>
+      </pc:docMkLst>
+      <pc:sldChg chg="modSp mod">
+        <pc:chgData name="Kunal Sankhe" userId="888cec82-6505-456a-9502-82fc7923f80f" providerId="ADAL" clId="{ED6C031D-A226-462D-AB96-D4EC49300AFD}" dt="2022-02-13T18:18:29.909" v="2" actId="1076"/>
+        <pc:sldMkLst>
+          <pc:docMk/>
+          <pc:sldMk cId="3685036984" sldId="259"/>
+        </pc:sldMkLst>
+        <pc:spChg chg="mod">
+          <ac:chgData name="Kunal Sankhe" userId="888cec82-6505-456a-9502-82fc7923f80f" providerId="ADAL" clId="{ED6C031D-A226-462D-AB96-D4EC49300AFD}" dt="2022-02-13T18:18:29.909" v="2" actId="1076"/>
+          <ac:spMkLst>
+            <pc:docMk/>
+            <pc:sldMk cId="3685036984" sldId="259"/>
+            <ac:spMk id="3" creationId="{C28EC4B4-9521-C647-86D8-196660670BF5}"/>
+          </ac:spMkLst>
+        </pc:spChg>
+        <pc:graphicFrameChg chg="mod">
+          <ac:chgData name="Kunal Sankhe" userId="888cec82-6505-456a-9502-82fc7923f80f" providerId="ADAL" clId="{ED6C031D-A226-462D-AB96-D4EC49300AFD}" dt="2022-02-13T18:18:26.639" v="1" actId="1076"/>
+          <ac:graphicFrameMkLst>
+            <pc:docMk/>
+            <pc:sldMk cId="3685036984" sldId="259"/>
+            <ac:graphicFrameMk id="2" creationId="{43863A01-DDC8-304E-AB0F-CBF746A79ACC}"/>
+          </ac:graphicFrameMkLst>
+        </pc:graphicFrameChg>
+      </pc:sldChg>
+      <pc:sldChg chg="modSp mod">
+        <pc:chgData name="Kunal Sankhe" userId="888cec82-6505-456a-9502-82fc7923f80f" providerId="ADAL" clId="{ED6C031D-A226-462D-AB96-D4EC49300AFD}" dt="2022-02-13T18:18:40.109" v="4" actId="1076"/>
+        <pc:sldMkLst>
+          <pc:docMk/>
+          <pc:sldMk cId="1849230268" sldId="264"/>
+        </pc:sldMkLst>
+        <pc:spChg chg="mod">
+          <ac:chgData name="Kunal Sankhe" userId="888cec82-6505-456a-9502-82fc7923f80f" providerId="ADAL" clId="{ED6C031D-A226-462D-AB96-D4EC49300AFD}" dt="2022-02-13T18:18:40.109" v="4" actId="1076"/>
+          <ac:spMkLst>
+            <pc:docMk/>
+            <pc:sldMk cId="1849230268" sldId="264"/>
+            <ac:spMk id="6" creationId="{95A6B6F0-551E-014D-9356-A39236665BE9}"/>
+          </ac:spMkLst>
+        </pc:spChg>
+        <pc:graphicFrameChg chg="mod">
+          <ac:chgData name="Kunal Sankhe" userId="888cec82-6505-456a-9502-82fc7923f80f" providerId="ADAL" clId="{ED6C031D-A226-462D-AB96-D4EC49300AFD}" dt="2022-02-13T18:18:34.724" v="3" actId="1076"/>
+          <ac:graphicFrameMkLst>
+            <pc:docMk/>
+            <pc:sldMk cId="1849230268" sldId="264"/>
+            <ac:graphicFrameMk id="2" creationId="{43863A01-DDC8-304E-AB0F-CBF746A79ACC}"/>
+          </ac:graphicFrameMkLst>
+        </pc:graphicFrameChg>
+      </pc:sldChg>
+      <pc:sldChg chg="modSp mod">
+        <pc:chgData name="Kunal Sankhe" userId="888cec82-6505-456a-9502-82fc7923f80f" providerId="ADAL" clId="{ED6C031D-A226-462D-AB96-D4EC49300AFD}" dt="2022-02-13T18:18:45.546" v="5" actId="1076"/>
+        <pc:sldMkLst>
+          <pc:docMk/>
+          <pc:sldMk cId="3535094613" sldId="265"/>
+        </pc:sldMkLst>
+        <pc:spChg chg="mod">
+          <ac:chgData name="Kunal Sankhe" userId="888cec82-6505-456a-9502-82fc7923f80f" providerId="ADAL" clId="{ED6C031D-A226-462D-AB96-D4EC49300AFD}" dt="2022-02-13T18:18:45.546" v="5" actId="1076"/>
+          <ac:spMkLst>
+            <pc:docMk/>
+            <pc:sldMk cId="3535094613" sldId="265"/>
+            <ac:spMk id="6" creationId="{95A6B6F0-551E-014D-9356-A39236665BE9}"/>
+          </ac:spMkLst>
+        </pc:spChg>
+      </pc:sldChg>
+    </pc:docChg>
+  </pc:docChgLst>
+</pc:chgInfo>
+</file>
+
 <file path=ppt/notesMasters/notesMaster1.xml><?xml version="1.0" encoding="utf-8"?>
 <p:notesMaster xmlns:a="http://schemas.openxmlformats.org/drawingml/2006/main" xmlns:r="http://schemas.openxmlformats.org/officeDocument/2006/relationships" xmlns:p="http://schemas.openxmlformats.org/presentationml/2006/main">
   <p:cSld>
@@ -206,7 +289,7 @@
           <a:p>
             <a:fld id="{D0094A01-C610-A14C-9BE3-35627A550E90}" type="datetimeFigureOut">
               <a:rPr lang="en-US" smtClean="0"/>
-              <a:t>7/14/21</a:t>
+              <a:t>2/13/2022</a:t>
             </a:fld>
             <a:endParaRPr lang="en-US"/>
           </a:p>
@@ -746,7 +829,7 @@
             <a:fld id="{B61BEF0D-F0BB-DE4B-95CE-6DB70DBA9567}" type="datetimeFigureOut">
               <a:rPr lang="en-US" dirty="0"/>
               <a:pPr/>
-              <a:t>7/14/21</a:t>
+              <a:t>2/13/2022</a:t>
             </a:fld>
             <a:endParaRPr lang="en-US" dirty="0"/>
           </a:p>
@@ -1081,7 +1164,7 @@
             <a:fld id="{B61BEF0D-F0BB-DE4B-95CE-6DB70DBA9567}" type="datetimeFigureOut">
               <a:rPr lang="en-US" dirty="0"/>
               <a:pPr/>
-              <a:t>7/14/21</a:t>
+              <a:t>2/13/2022</a:t>
             </a:fld>
             <a:endParaRPr lang="en-US" dirty="0"/>
           </a:p>
@@ -1479,7 +1562,7 @@
             <a:fld id="{B61BEF0D-F0BB-DE4B-95CE-6DB70DBA9567}" type="datetimeFigureOut">
               <a:rPr lang="en-US" dirty="0"/>
               <a:pPr/>
-              <a:t>7/14/21</a:t>
+              <a:t>2/13/2022</a:t>
             </a:fld>
             <a:endParaRPr lang="en-US" dirty="0"/>
           </a:p>
@@ -1812,7 +1895,7 @@
             <a:fld id="{B61BEF0D-F0BB-DE4B-95CE-6DB70DBA9567}" type="datetimeFigureOut">
               <a:rPr lang="en-US" dirty="0"/>
               <a:pPr/>
-              <a:t>7/14/21</a:t>
+              <a:t>2/13/2022</a:t>
             </a:fld>
             <a:endParaRPr lang="en-US" dirty="0"/>
           </a:p>
@@ -2129,7 +2212,7 @@
             <a:fld id="{B61BEF0D-F0BB-DE4B-95CE-6DB70DBA9567}" type="datetimeFigureOut">
               <a:rPr lang="en-US" dirty="0"/>
               <a:pPr/>
-              <a:t>7/14/21</a:t>
+              <a:t>2/13/2022</a:t>
             </a:fld>
             <a:endParaRPr lang="en-US" dirty="0"/>
           </a:p>
@@ -2522,7 +2605,7 @@
             <a:fld id="{B61BEF0D-F0BB-DE4B-95CE-6DB70DBA9567}" type="datetimeFigureOut">
               <a:rPr lang="en-US" dirty="0"/>
               <a:pPr/>
-              <a:t>7/14/21</a:t>
+              <a:t>2/13/2022</a:t>
             </a:fld>
             <a:endParaRPr lang="en-US" dirty="0"/>
           </a:p>
@@ -2776,7 +2859,7 @@
             <a:fld id="{B61BEF0D-F0BB-DE4B-95CE-6DB70DBA9567}" type="datetimeFigureOut">
               <a:rPr lang="en-US" dirty="0"/>
               <a:pPr/>
-              <a:t>7/14/21</a:t>
+              <a:t>2/13/2022</a:t>
             </a:fld>
             <a:endParaRPr lang="en-US" dirty="0"/>
           </a:p>
@@ -3035,7 +3118,7 @@
             <a:fld id="{B61BEF0D-F0BB-DE4B-95CE-6DB70DBA9567}" type="datetimeFigureOut">
               <a:rPr lang="en-US" dirty="0"/>
               <a:pPr/>
-              <a:t>7/14/21</a:t>
+              <a:t>2/13/2022</a:t>
             </a:fld>
             <a:endParaRPr lang="en-US" dirty="0"/>
           </a:p>
@@ -3294,7 +3377,7 @@
             <a:fld id="{B61BEF0D-F0BB-DE4B-95CE-6DB70DBA9567}" type="datetimeFigureOut">
               <a:rPr lang="en-US" dirty="0"/>
               <a:pPr/>
-              <a:t>7/14/21</a:t>
+              <a:t>2/13/2022</a:t>
             </a:fld>
             <a:endParaRPr lang="en-US" dirty="0"/>
           </a:p>
@@ -3620,7 +3703,7 @@
             <a:fld id="{B61BEF0D-F0BB-DE4B-95CE-6DB70DBA9567}" type="datetimeFigureOut">
               <a:rPr lang="en-US" dirty="0"/>
               <a:pPr/>
-              <a:t>7/14/21</a:t>
+              <a:t>2/13/2022</a:t>
             </a:fld>
             <a:endParaRPr lang="en-US" dirty="0"/>
           </a:p>
@@ -3940,7 +4023,7 @@
             <a:fld id="{B61BEF0D-F0BB-DE4B-95CE-6DB70DBA9567}" type="datetimeFigureOut">
               <a:rPr lang="en-US" dirty="0"/>
               <a:pPr/>
-              <a:t>7/14/21</a:t>
+              <a:t>2/13/2022</a:t>
             </a:fld>
             <a:endParaRPr lang="en-US" dirty="0"/>
           </a:p>
@@ -4394,7 +4477,7 @@
             <a:fld id="{B61BEF0D-F0BB-DE4B-95CE-6DB70DBA9567}" type="datetimeFigureOut">
               <a:rPr lang="en-US" dirty="0"/>
               <a:pPr/>
-              <a:t>7/14/21</a:t>
+              <a:t>2/13/2022</a:t>
             </a:fld>
             <a:endParaRPr lang="en-US" dirty="0"/>
           </a:p>
@@ -4596,7 +4679,7 @@
             <a:fld id="{B61BEF0D-F0BB-DE4B-95CE-6DB70DBA9567}" type="datetimeFigureOut">
               <a:rPr lang="en-US" dirty="0"/>
               <a:pPr/>
-              <a:t>7/14/21</a:t>
+              <a:t>2/13/2022</a:t>
             </a:fld>
             <a:endParaRPr lang="en-US" dirty="0"/>
           </a:p>
@@ -4770,7 +4853,7 @@
             <a:fld id="{B61BEF0D-F0BB-DE4B-95CE-6DB70DBA9567}" type="datetimeFigureOut">
               <a:rPr lang="en-US" dirty="0"/>
               <a:pPr/>
-              <a:t>7/14/21</a:t>
+              <a:t>2/13/2022</a:t>
             </a:fld>
             <a:endParaRPr lang="en-US" dirty="0"/>
           </a:p>
@@ -5100,7 +5183,7 @@
             <a:fld id="{B61BEF0D-F0BB-DE4B-95CE-6DB70DBA9567}" type="datetimeFigureOut">
               <a:rPr lang="en-US" dirty="0"/>
               <a:pPr/>
-              <a:t>7/14/21</a:t>
+              <a:t>2/13/2022</a:t>
             </a:fld>
             <a:endParaRPr lang="en-US" dirty="0"/>
           </a:p>
@@ -5442,7 +5525,7 @@
             <a:fld id="{B61BEF0D-F0BB-DE4B-95CE-6DB70DBA9567}" type="datetimeFigureOut">
               <a:rPr lang="en-US" dirty="0"/>
               <a:pPr/>
-              <a:t>7/14/21</a:t>
+              <a:t>2/13/2022</a:t>
             </a:fld>
             <a:endParaRPr lang="en-US" dirty="0"/>
           </a:p>
@@ -7556,7 +7639,7 @@
             <a:fld id="{B61BEF0D-F0BB-DE4B-95CE-6DB70DBA9567}" type="datetimeFigureOut">
               <a:rPr lang="en-US" dirty="0"/>
               <a:pPr/>
-              <a:t>7/14/21</a:t>
+              <a:t>2/13/2022</a:t>
             </a:fld>
             <a:endParaRPr lang="en-US" dirty="0"/>
           </a:p>
@@ -12551,13 +12634,13 @@
           <p:nvPr>
             <p:extLst>
               <p:ext uri="{D42A27DB-BD31-4B8C-83A1-F6EECF244321}">
-                <p14:modId xmlns:p14="http://schemas.microsoft.com/office/powerpoint/2010/main" val="3270861994"/>
+                <p14:modId xmlns:p14="http://schemas.microsoft.com/office/powerpoint/2010/main" val="2071129780"/>
               </p:ext>
             </p:extLst>
           </p:nvPr>
         </p:nvGraphicFramePr>
         <p:xfrm>
-          <a:off x="752474" y="2245041"/>
+          <a:off x="752475" y="1520119"/>
           <a:ext cx="10991850" cy="3817761"/>
         </p:xfrm>
         <a:graphic>
@@ -14137,7 +14220,7 @@
         </p:nvSpPr>
         <p:spPr>
           <a:xfrm>
-            <a:off x="1502569" y="4153921"/>
+            <a:off x="1561690" y="5541817"/>
             <a:ext cx="8958262" cy="1071562"/>
           </a:xfrm>
           <a:prstGeom prst="roundRect">
@@ -14331,13 +14414,13 @@
           <p:nvPr>
             <p:extLst>
               <p:ext uri="{D42A27DB-BD31-4B8C-83A1-F6EECF244321}">
-                <p14:modId xmlns:p14="http://schemas.microsoft.com/office/powerpoint/2010/main" val="3519650261"/>
+                <p14:modId xmlns:p14="http://schemas.microsoft.com/office/powerpoint/2010/main" val="1621345306"/>
               </p:ext>
             </p:extLst>
           </p:nvPr>
         </p:nvGraphicFramePr>
         <p:xfrm>
-          <a:off x="752474" y="2245041"/>
+          <a:off x="673646" y="1446231"/>
           <a:ext cx="10991850" cy="3965537"/>
         </p:xfrm>
         <a:graphic>
@@ -16123,7 +16206,7 @@
         </p:nvSpPr>
         <p:spPr>
           <a:xfrm>
-            <a:off x="1965594" y="3692028"/>
+            <a:off x="1760642" y="5607539"/>
             <a:ext cx="8958262" cy="1071562"/>
           </a:xfrm>
           <a:prstGeom prst="roundRect">
@@ -17693,7 +17776,7 @@
         </p:nvSpPr>
         <p:spPr>
           <a:xfrm>
-            <a:off x="1616869" y="3429000"/>
+            <a:off x="1932179" y="5568720"/>
             <a:ext cx="8958262" cy="1071562"/>
           </a:xfrm>
           <a:prstGeom prst="roundRect">
